--- a/media/NI-GEN-6.pptx
+++ b/media/NI-GEN-6.pptx
@@ -278,7 +278,7 @@
           <a:p>
             <a:fld id="{30F61A09-C243-4AF9-8E89-AFF8EF129A8C}" type="datetimeFigureOut">
               <a:rPr lang="en-GB" smtClean="0"/>
-              <a:t>28/03/2022</a:t>
+              <a:t>20/03/2023</a:t>
             </a:fld>
             <a:endParaRPr lang="en-GB"/>
           </a:p>
@@ -1092,7 +1092,7 @@
           <a:p>
             <a:fld id="{3167A54B-BC64-4F06-9E03-64B6A67018EB}" type="datetimeFigureOut">
               <a:rPr lang="en-GB" smtClean="0"/>
-              <a:t>28/03/2022</a:t>
+              <a:t>20/03/2023</a:t>
             </a:fld>
             <a:endParaRPr lang="en-GB"/>
           </a:p>
@@ -1292,7 +1292,7 @@
           <a:p>
             <a:fld id="{3167A54B-BC64-4F06-9E03-64B6A67018EB}" type="datetimeFigureOut">
               <a:rPr lang="en-GB" smtClean="0"/>
-              <a:t>28/03/2022</a:t>
+              <a:t>20/03/2023</a:t>
             </a:fld>
             <a:endParaRPr lang="en-GB"/>
           </a:p>
@@ -1502,7 +1502,7 @@
           <a:p>
             <a:fld id="{3167A54B-BC64-4F06-9E03-64B6A67018EB}" type="datetimeFigureOut">
               <a:rPr lang="en-GB" smtClean="0"/>
-              <a:t>28/03/2022</a:t>
+              <a:t>20/03/2023</a:t>
             </a:fld>
             <a:endParaRPr lang="en-GB"/>
           </a:p>
@@ -1706,7 +1706,7 @@
           <a:p>
             <a:fld id="{3167A54B-BC64-4F06-9E03-64B6A67018EB}" type="datetimeFigureOut">
               <a:rPr lang="en-GB" smtClean="0"/>
-              <a:t>28/03/2022</a:t>
+              <a:t>20/03/2023</a:t>
             </a:fld>
             <a:endParaRPr lang="en-GB"/>
           </a:p>
@@ -1982,7 +1982,7 @@
           <a:p>
             <a:fld id="{3167A54B-BC64-4F06-9E03-64B6A67018EB}" type="datetimeFigureOut">
               <a:rPr lang="en-GB" smtClean="0"/>
-              <a:t>28/03/2022</a:t>
+              <a:t>20/03/2023</a:t>
             </a:fld>
             <a:endParaRPr lang="en-GB"/>
           </a:p>
@@ -2250,7 +2250,7 @@
           <a:p>
             <a:fld id="{3167A54B-BC64-4F06-9E03-64B6A67018EB}" type="datetimeFigureOut">
               <a:rPr lang="en-GB" smtClean="0"/>
-              <a:t>28/03/2022</a:t>
+              <a:t>20/03/2023</a:t>
             </a:fld>
             <a:endParaRPr lang="en-GB"/>
           </a:p>
@@ -2665,7 +2665,7 @@
           <a:p>
             <a:fld id="{3167A54B-BC64-4F06-9E03-64B6A67018EB}" type="datetimeFigureOut">
               <a:rPr lang="en-GB" smtClean="0"/>
-              <a:t>28/03/2022</a:t>
+              <a:t>20/03/2023</a:t>
             </a:fld>
             <a:endParaRPr lang="en-GB"/>
           </a:p>
@@ -2807,7 +2807,7 @@
           <a:p>
             <a:fld id="{3167A54B-BC64-4F06-9E03-64B6A67018EB}" type="datetimeFigureOut">
               <a:rPr lang="en-GB" smtClean="0"/>
-              <a:t>28/03/2022</a:t>
+              <a:t>20/03/2023</a:t>
             </a:fld>
             <a:endParaRPr lang="en-GB"/>
           </a:p>
@@ -2920,7 +2920,7 @@
           <a:p>
             <a:fld id="{3167A54B-BC64-4F06-9E03-64B6A67018EB}" type="datetimeFigureOut">
               <a:rPr lang="en-GB" smtClean="0"/>
-              <a:t>28/03/2022</a:t>
+              <a:t>20/03/2023</a:t>
             </a:fld>
             <a:endParaRPr lang="en-GB"/>
           </a:p>
@@ -3233,7 +3233,7 @@
           <a:p>
             <a:fld id="{3167A54B-BC64-4F06-9E03-64B6A67018EB}" type="datetimeFigureOut">
               <a:rPr lang="en-GB" smtClean="0"/>
-              <a:t>28/03/2022</a:t>
+              <a:t>20/03/2023</a:t>
             </a:fld>
             <a:endParaRPr lang="en-GB"/>
           </a:p>
@@ -3522,7 +3522,7 @@
           <a:p>
             <a:fld id="{3167A54B-BC64-4F06-9E03-64B6A67018EB}" type="datetimeFigureOut">
               <a:rPr lang="en-GB" smtClean="0"/>
-              <a:t>28/03/2022</a:t>
+              <a:t>20/03/2023</a:t>
             </a:fld>
             <a:endParaRPr lang="en-GB"/>
           </a:p>
@@ -3765,7 +3765,7 @@
           <a:p>
             <a:fld id="{3167A54B-BC64-4F06-9E03-64B6A67018EB}" type="datetimeFigureOut">
               <a:rPr lang="en-GB" smtClean="0"/>
-              <a:t>28/03/2022</a:t>
+              <a:t>20/03/2023</a:t>
             </a:fld>
             <a:endParaRPr lang="en-GB"/>
           </a:p>
@@ -4359,7 +4359,7 @@
           <a:p>
             <a:r>
               <a:rPr lang="en-US" dirty="0"/>
-              <a:t>There Really are Only Two</a:t>
+              <a:t>There Are Loads!</a:t>
             </a:r>
           </a:p>
         </p:txBody>
@@ -18779,13 +18779,13 @@
   <p:clrMapOvr>
     <a:masterClrMapping/>
   </p:clrMapOvr>
-  <mc:AlternateContent xmlns:mc="http://schemas.openxmlformats.org/markup-compatibility/2006">
-    <mc:Choice xmlns:p159="http://schemas.microsoft.com/office/powerpoint/2015/09/main" Requires="p159">
+  <mc:AlternateContent xmlns:mc="http://schemas.openxmlformats.org/markup-compatibility/2006" xmlns:p159="http://schemas.microsoft.com/office/powerpoint/2015/09/main">
+    <mc:Choice Requires="p159">
       <p:transition xmlns:p14="http://schemas.microsoft.com/office/powerpoint/2010/main" spd="slow" p14:dur="2000">
         <p159:morph option="byObject"/>
       </p:transition>
     </mc:Choice>
-    <mc:Fallback>
+    <mc:Fallback xmlns="">
       <p:transition spd="slow">
         <p:fade/>
       </p:transition>
@@ -22026,7 +22026,7 @@
           <a:p>
             <a:r>
               <a:rPr lang="en-US" dirty="0"/>
-              <a:t>Usually pointers to the classes are expected</a:t>
+              <a:t>Usually, pointers to the classes are expected</a:t>
             </a:r>
           </a:p>
           <a:p>
@@ -33529,7 +33529,7 @@
           <a:p>
             <a:r>
               <a:rPr lang="en-US" dirty="0"/>
-              <a:t>There Really are Only Two</a:t>
+              <a:t>There Really are Only Two, or Three</a:t>
             </a:r>
           </a:p>
         </p:txBody>
